--- a/PPT/第二部分 软件测试技术/3.5  黑盒测试技术 -正交表.pptx
+++ b/PPT/第二部分 软件测试技术/3.5  黑盒测试技术 -正交表.pptx
@@ -8643,11 +8643,7 @@
             </a:r>
             <a:r>
               <a:rPr lang="zh-CN" altLang="en-US" sz="2400" b="1" dirty="0"/>
-              <a:t>∑</a:t>
-            </a:r>
-            <a:r>
-              <a:rPr lang="zh-CN" altLang="en-US" sz="2400" b="1" dirty="0"/>
-              <a:t>（每列水平数－</a:t>
+              <a:t>∑（每列水平数－</a:t>
             </a:r>
             <a:r>
               <a:rPr lang="en-US" altLang="zh-CN" sz="2400" b="1" dirty="0"/>
@@ -8683,16 +8679,24 @@
               <a:t>3</a:t>
             </a:r>
             <a:r>
+              <a:rPr lang="zh-CN" altLang="en-US" sz="2400" b="1" dirty="0" smtClean="0"/>
+              <a:t>水平的因子</a:t>
+            </a:r>
+            <a:r>
               <a:rPr lang="zh-CN" altLang="en-US" sz="2400" b="1" dirty="0"/>
-              <a:t>水平因子及一个</a:t>
+              <a:t>及一个</a:t>
             </a:r>
             <a:r>
               <a:rPr lang="en-US" altLang="zh-CN" sz="2400" b="1" dirty="0"/>
               <a:t>2</a:t>
             </a:r>
             <a:r>
+              <a:rPr lang="zh-CN" altLang="en-US" sz="2400" b="1" dirty="0" smtClean="0"/>
+              <a:t>水平的因子</a:t>
+            </a:r>
+            <a:r>
               <a:rPr lang="zh-CN" altLang="en-US" sz="2400" b="1" dirty="0"/>
-              <a:t>水平因子，表示为</a:t>
+              <a:t>，表示为</a:t>
             </a:r>
             <a:r>
               <a:rPr lang="en-US" altLang="zh-CN" sz="2400" b="1" dirty="0"/>
@@ -12315,7 +12319,7 @@
               <a:rPr lang="en-US" altLang="zh-CN" smtClean="0"/>
               <a:t>2</a:t>
             </a:fld>
-            <a:endParaRPr lang="en-US" altLang="zh-CN" smtClean="0"/>
+            <a:endParaRPr lang="en-US" altLang="zh-CN" dirty="0" smtClean="0"/>
           </a:p>
         </p:txBody>
       </p:sp>
@@ -35636,6 +35640,204 @@
           </a:extLst>
         </p:spPr>
       </p:pic>
+      <p:sp>
+        <p:nvSpPr>
+          <p:cNvPr id="5" name="灯片编号占位符 5"/>
+          <p:cNvSpPr txBox="1">
+            <a:spLocks/>
+          </p:cNvSpPr>
+          <p:nvPr/>
+        </p:nvSpPr>
+        <p:spPr>
+          <a:xfrm>
+            <a:off x="6553200" y="6245225"/>
+            <a:ext cx="1981200" cy="476250"/>
+          </a:xfrm>
+          <a:prstGeom prst="rect">
+            <a:avLst/>
+          </a:prstGeom>
+          <a:noFill/>
+          <a:extLst>
+            <a:ext uri="{909E8E84-426E-40DD-AFC4-6F175D3DCCD1}">
+              <a14:hiddenFill xmlns:a14="http://schemas.microsoft.com/office/drawing/2010/main">
+                <a:solidFill>
+                  <a:srgbClr val="FFFFFF"/>
+                </a:solidFill>
+              </a14:hiddenFill>
+            </a:ext>
+            <a:ext uri="{91240B29-F687-4F45-9708-019B960494DF}">
+              <a14:hiddenLine xmlns:a14="http://schemas.microsoft.com/office/drawing/2010/main" w="9525">
+                <a:solidFill>
+                  <a:srgbClr val="000000"/>
+                </a:solidFill>
+                <a:miter lim="800000"/>
+                <a:headEnd/>
+                <a:tailEnd/>
+              </a14:hiddenLine>
+            </a:ext>
+          </a:extLst>
+        </p:spPr>
+        <p:txBody>
+          <a:bodyPr/>
+          <a:lstStyle>
+            <a:defPPr>
+              <a:defRPr lang="zh-CN"/>
+            </a:defPPr>
+            <a:lvl1pPr algn="l" rtl="0" eaLnBrk="0" fontAlgn="base" hangingPunct="0">
+              <a:spcBef>
+                <a:spcPct val="0"/>
+              </a:spcBef>
+              <a:spcAft>
+                <a:spcPct val="0"/>
+              </a:spcAft>
+              <a:defRPr kern="1200">
+                <a:solidFill>
+                  <a:schemeClr val="tx1"/>
+                </a:solidFill>
+                <a:latin typeface="Verdana" panose="020B0604030504040204" pitchFamily="34" charset="0"/>
+                <a:ea typeface="宋体" panose="02010600030101010101" pitchFamily="2" charset="-122"/>
+                <a:cs typeface="+mn-cs"/>
+              </a:defRPr>
+            </a:lvl1pPr>
+            <a:lvl2pPr marL="742950" indent="-285750" algn="l" rtl="0" eaLnBrk="0" fontAlgn="base" hangingPunct="0">
+              <a:spcBef>
+                <a:spcPct val="0"/>
+              </a:spcBef>
+              <a:spcAft>
+                <a:spcPct val="0"/>
+              </a:spcAft>
+              <a:defRPr kern="1200">
+                <a:solidFill>
+                  <a:schemeClr val="tx1"/>
+                </a:solidFill>
+                <a:latin typeface="Verdana" panose="020B0604030504040204" pitchFamily="34" charset="0"/>
+                <a:ea typeface="宋体" panose="02010600030101010101" pitchFamily="2" charset="-122"/>
+                <a:cs typeface="+mn-cs"/>
+              </a:defRPr>
+            </a:lvl2pPr>
+            <a:lvl3pPr marL="1143000" indent="-228600" algn="l" rtl="0" eaLnBrk="0" fontAlgn="base" hangingPunct="0">
+              <a:spcBef>
+                <a:spcPct val="0"/>
+              </a:spcBef>
+              <a:spcAft>
+                <a:spcPct val="0"/>
+              </a:spcAft>
+              <a:defRPr kern="1200">
+                <a:solidFill>
+                  <a:schemeClr val="tx1"/>
+                </a:solidFill>
+                <a:latin typeface="Verdana" panose="020B0604030504040204" pitchFamily="34" charset="0"/>
+                <a:ea typeface="宋体" panose="02010600030101010101" pitchFamily="2" charset="-122"/>
+                <a:cs typeface="+mn-cs"/>
+              </a:defRPr>
+            </a:lvl3pPr>
+            <a:lvl4pPr marL="1600200" indent="-228600" algn="l" rtl="0" eaLnBrk="0" fontAlgn="base" hangingPunct="0">
+              <a:spcBef>
+                <a:spcPct val="0"/>
+              </a:spcBef>
+              <a:spcAft>
+                <a:spcPct val="0"/>
+              </a:spcAft>
+              <a:defRPr kern="1200">
+                <a:solidFill>
+                  <a:schemeClr val="tx1"/>
+                </a:solidFill>
+                <a:latin typeface="Verdana" panose="020B0604030504040204" pitchFamily="34" charset="0"/>
+                <a:ea typeface="宋体" panose="02010600030101010101" pitchFamily="2" charset="-122"/>
+                <a:cs typeface="+mn-cs"/>
+              </a:defRPr>
+            </a:lvl4pPr>
+            <a:lvl5pPr marL="2057400" indent="-228600" algn="l" rtl="0" eaLnBrk="0" fontAlgn="base" hangingPunct="0">
+              <a:spcBef>
+                <a:spcPct val="0"/>
+              </a:spcBef>
+              <a:spcAft>
+                <a:spcPct val="0"/>
+              </a:spcAft>
+              <a:defRPr kern="1200">
+                <a:solidFill>
+                  <a:schemeClr val="tx1"/>
+                </a:solidFill>
+                <a:latin typeface="Verdana" panose="020B0604030504040204" pitchFamily="34" charset="0"/>
+                <a:ea typeface="宋体" panose="02010600030101010101" pitchFamily="2" charset="-122"/>
+                <a:cs typeface="+mn-cs"/>
+              </a:defRPr>
+            </a:lvl5pPr>
+            <a:lvl6pPr marL="2514600" indent="-228600" algn="l" defTabSz="914400" rtl="0" eaLnBrk="0" fontAlgn="base" latinLnBrk="0" hangingPunct="0">
+              <a:spcBef>
+                <a:spcPct val="0"/>
+              </a:spcBef>
+              <a:spcAft>
+                <a:spcPct val="0"/>
+              </a:spcAft>
+              <a:defRPr kern="1200">
+                <a:solidFill>
+                  <a:schemeClr val="tx1"/>
+                </a:solidFill>
+                <a:latin typeface="Verdana" panose="020B0604030504040204" pitchFamily="34" charset="0"/>
+                <a:ea typeface="宋体" panose="02010600030101010101" pitchFamily="2" charset="-122"/>
+                <a:cs typeface="+mn-cs"/>
+              </a:defRPr>
+            </a:lvl6pPr>
+            <a:lvl7pPr marL="2971800" indent="-228600" algn="l" defTabSz="914400" rtl="0" eaLnBrk="0" fontAlgn="base" latinLnBrk="0" hangingPunct="0">
+              <a:spcBef>
+                <a:spcPct val="0"/>
+              </a:spcBef>
+              <a:spcAft>
+                <a:spcPct val="0"/>
+              </a:spcAft>
+              <a:defRPr kern="1200">
+                <a:solidFill>
+                  <a:schemeClr val="tx1"/>
+                </a:solidFill>
+                <a:latin typeface="Verdana" panose="020B0604030504040204" pitchFamily="34" charset="0"/>
+                <a:ea typeface="宋体" panose="02010600030101010101" pitchFamily="2" charset="-122"/>
+                <a:cs typeface="+mn-cs"/>
+              </a:defRPr>
+            </a:lvl7pPr>
+            <a:lvl8pPr marL="3429000" indent="-228600" algn="l" defTabSz="914400" rtl="0" eaLnBrk="0" fontAlgn="base" latinLnBrk="0" hangingPunct="0">
+              <a:spcBef>
+                <a:spcPct val="0"/>
+              </a:spcBef>
+              <a:spcAft>
+                <a:spcPct val="0"/>
+              </a:spcAft>
+              <a:defRPr kern="1200">
+                <a:solidFill>
+                  <a:schemeClr val="tx1"/>
+                </a:solidFill>
+                <a:latin typeface="Verdana" panose="020B0604030504040204" pitchFamily="34" charset="0"/>
+                <a:ea typeface="宋体" panose="02010600030101010101" pitchFamily="2" charset="-122"/>
+                <a:cs typeface="+mn-cs"/>
+              </a:defRPr>
+            </a:lvl8pPr>
+            <a:lvl9pPr marL="3886200" indent="-228600" algn="l" defTabSz="914400" rtl="0" eaLnBrk="0" fontAlgn="base" latinLnBrk="0" hangingPunct="0">
+              <a:spcBef>
+                <a:spcPct val="0"/>
+              </a:spcBef>
+              <a:spcAft>
+                <a:spcPct val="0"/>
+              </a:spcAft>
+              <a:defRPr kern="1200">
+                <a:solidFill>
+                  <a:schemeClr val="tx1"/>
+                </a:solidFill>
+                <a:latin typeface="Verdana" panose="020B0604030504040204" pitchFamily="34" charset="0"/>
+                <a:ea typeface="宋体" panose="02010600030101010101" pitchFamily="2" charset="-122"/>
+                <a:cs typeface="+mn-cs"/>
+              </a:defRPr>
+            </a:lvl9pPr>
+          </a:lstStyle>
+          <a:p>
+            <a:pPr eaLnBrk="1" hangingPunct="1"/>
+            <a:r>
+              <a:rPr lang="en-US" altLang="zh-CN" dirty="0" smtClean="0"/>
+              <a:t>          3</a:t>
+            </a:r>
+            <a:endParaRPr lang="en-US" altLang="zh-CN" dirty="0" smtClean="0"/>
+          </a:p>
+        </p:txBody>
+      </p:sp>
     </p:spTree>
     <p:extLst>
       <p:ext uri="{BB962C8B-B14F-4D97-AF65-F5344CB8AC3E}">
@@ -36317,6 +36519,205 @@
           </a:p>
         </p:txBody>
       </p:sp>
+      <p:sp>
+        <p:nvSpPr>
+          <p:cNvPr id="4" name="灯片编号占位符 5"/>
+          <p:cNvSpPr txBox="1">
+            <a:spLocks/>
+          </p:cNvSpPr>
+          <p:nvPr/>
+        </p:nvSpPr>
+        <p:spPr>
+          <a:xfrm>
+            <a:off x="6553200" y="6245225"/>
+            <a:ext cx="1981200" cy="476250"/>
+          </a:xfrm>
+          <a:prstGeom prst="rect">
+            <a:avLst/>
+          </a:prstGeom>
+          <a:noFill/>
+          <a:extLst>
+            <a:ext uri="{909E8E84-426E-40DD-AFC4-6F175D3DCCD1}">
+              <a14:hiddenFill xmlns:a14="http://schemas.microsoft.com/office/drawing/2010/main">
+                <a:solidFill>
+                  <a:srgbClr val="FFFFFF"/>
+                </a:solidFill>
+              </a14:hiddenFill>
+            </a:ext>
+            <a:ext uri="{91240B29-F687-4F45-9708-019B960494DF}">
+              <a14:hiddenLine xmlns:a14="http://schemas.microsoft.com/office/drawing/2010/main" w="9525">
+                <a:solidFill>
+                  <a:srgbClr val="000000"/>
+                </a:solidFill>
+                <a:miter lim="800000"/>
+                <a:headEnd/>
+                <a:tailEnd/>
+              </a14:hiddenLine>
+            </a:ext>
+          </a:extLst>
+        </p:spPr>
+        <p:txBody>
+          <a:bodyPr/>
+          <a:lstStyle>
+            <a:defPPr>
+              <a:defRPr lang="zh-CN"/>
+            </a:defPPr>
+            <a:lvl1pPr algn="l" rtl="0" eaLnBrk="0" fontAlgn="base" hangingPunct="0">
+              <a:spcBef>
+                <a:spcPct val="0"/>
+              </a:spcBef>
+              <a:spcAft>
+                <a:spcPct val="0"/>
+              </a:spcAft>
+              <a:defRPr kern="1200">
+                <a:solidFill>
+                  <a:schemeClr val="tx1"/>
+                </a:solidFill>
+                <a:latin typeface="Verdana" panose="020B0604030504040204" pitchFamily="34" charset="0"/>
+                <a:ea typeface="宋体" panose="02010600030101010101" pitchFamily="2" charset="-122"/>
+                <a:cs typeface="+mn-cs"/>
+              </a:defRPr>
+            </a:lvl1pPr>
+            <a:lvl2pPr marL="742950" indent="-285750" algn="l" rtl="0" eaLnBrk="0" fontAlgn="base" hangingPunct="0">
+              <a:spcBef>
+                <a:spcPct val="0"/>
+              </a:spcBef>
+              <a:spcAft>
+                <a:spcPct val="0"/>
+              </a:spcAft>
+              <a:defRPr kern="1200">
+                <a:solidFill>
+                  <a:schemeClr val="tx1"/>
+                </a:solidFill>
+                <a:latin typeface="Verdana" panose="020B0604030504040204" pitchFamily="34" charset="0"/>
+                <a:ea typeface="宋体" panose="02010600030101010101" pitchFamily="2" charset="-122"/>
+                <a:cs typeface="+mn-cs"/>
+              </a:defRPr>
+            </a:lvl2pPr>
+            <a:lvl3pPr marL="1143000" indent="-228600" algn="l" rtl="0" eaLnBrk="0" fontAlgn="base" hangingPunct="0">
+              <a:spcBef>
+                <a:spcPct val="0"/>
+              </a:spcBef>
+              <a:spcAft>
+                <a:spcPct val="0"/>
+              </a:spcAft>
+              <a:defRPr kern="1200">
+                <a:solidFill>
+                  <a:schemeClr val="tx1"/>
+                </a:solidFill>
+                <a:latin typeface="Verdana" panose="020B0604030504040204" pitchFamily="34" charset="0"/>
+                <a:ea typeface="宋体" panose="02010600030101010101" pitchFamily="2" charset="-122"/>
+                <a:cs typeface="+mn-cs"/>
+              </a:defRPr>
+            </a:lvl3pPr>
+            <a:lvl4pPr marL="1600200" indent="-228600" algn="l" rtl="0" eaLnBrk="0" fontAlgn="base" hangingPunct="0">
+              <a:spcBef>
+                <a:spcPct val="0"/>
+              </a:spcBef>
+              <a:spcAft>
+                <a:spcPct val="0"/>
+              </a:spcAft>
+              <a:defRPr kern="1200">
+                <a:solidFill>
+                  <a:schemeClr val="tx1"/>
+                </a:solidFill>
+                <a:latin typeface="Verdana" panose="020B0604030504040204" pitchFamily="34" charset="0"/>
+                <a:ea typeface="宋体" panose="02010600030101010101" pitchFamily="2" charset="-122"/>
+                <a:cs typeface="+mn-cs"/>
+              </a:defRPr>
+            </a:lvl4pPr>
+            <a:lvl5pPr marL="2057400" indent="-228600" algn="l" rtl="0" eaLnBrk="0" fontAlgn="base" hangingPunct="0">
+              <a:spcBef>
+                <a:spcPct val="0"/>
+              </a:spcBef>
+              <a:spcAft>
+                <a:spcPct val="0"/>
+              </a:spcAft>
+              <a:defRPr kern="1200">
+                <a:solidFill>
+                  <a:schemeClr val="tx1"/>
+                </a:solidFill>
+                <a:latin typeface="Verdana" panose="020B0604030504040204" pitchFamily="34" charset="0"/>
+                <a:ea typeface="宋体" panose="02010600030101010101" pitchFamily="2" charset="-122"/>
+                <a:cs typeface="+mn-cs"/>
+              </a:defRPr>
+            </a:lvl5pPr>
+            <a:lvl6pPr marL="2514600" indent="-228600" algn="l" defTabSz="914400" rtl="0" eaLnBrk="0" fontAlgn="base" latinLnBrk="0" hangingPunct="0">
+              <a:spcBef>
+                <a:spcPct val="0"/>
+              </a:spcBef>
+              <a:spcAft>
+                <a:spcPct val="0"/>
+              </a:spcAft>
+              <a:defRPr kern="1200">
+                <a:solidFill>
+                  <a:schemeClr val="tx1"/>
+                </a:solidFill>
+                <a:latin typeface="Verdana" panose="020B0604030504040204" pitchFamily="34" charset="0"/>
+                <a:ea typeface="宋体" panose="02010600030101010101" pitchFamily="2" charset="-122"/>
+                <a:cs typeface="+mn-cs"/>
+              </a:defRPr>
+            </a:lvl6pPr>
+            <a:lvl7pPr marL="2971800" indent="-228600" algn="l" defTabSz="914400" rtl="0" eaLnBrk="0" fontAlgn="base" latinLnBrk="0" hangingPunct="0">
+              <a:spcBef>
+                <a:spcPct val="0"/>
+              </a:spcBef>
+              <a:spcAft>
+                <a:spcPct val="0"/>
+              </a:spcAft>
+              <a:defRPr kern="1200">
+                <a:solidFill>
+                  <a:schemeClr val="tx1"/>
+                </a:solidFill>
+                <a:latin typeface="Verdana" panose="020B0604030504040204" pitchFamily="34" charset="0"/>
+                <a:ea typeface="宋体" panose="02010600030101010101" pitchFamily="2" charset="-122"/>
+                <a:cs typeface="+mn-cs"/>
+              </a:defRPr>
+            </a:lvl7pPr>
+            <a:lvl8pPr marL="3429000" indent="-228600" algn="l" defTabSz="914400" rtl="0" eaLnBrk="0" fontAlgn="base" latinLnBrk="0" hangingPunct="0">
+              <a:spcBef>
+                <a:spcPct val="0"/>
+              </a:spcBef>
+              <a:spcAft>
+                <a:spcPct val="0"/>
+              </a:spcAft>
+              <a:defRPr kern="1200">
+                <a:solidFill>
+                  <a:schemeClr val="tx1"/>
+                </a:solidFill>
+                <a:latin typeface="Verdana" panose="020B0604030504040204" pitchFamily="34" charset="0"/>
+                <a:ea typeface="宋体" panose="02010600030101010101" pitchFamily="2" charset="-122"/>
+                <a:cs typeface="+mn-cs"/>
+              </a:defRPr>
+            </a:lvl8pPr>
+            <a:lvl9pPr marL="3886200" indent="-228600" algn="l" defTabSz="914400" rtl="0" eaLnBrk="0" fontAlgn="base" latinLnBrk="0" hangingPunct="0">
+              <a:spcBef>
+                <a:spcPct val="0"/>
+              </a:spcBef>
+              <a:spcAft>
+                <a:spcPct val="0"/>
+              </a:spcAft>
+              <a:defRPr kern="1200">
+                <a:solidFill>
+                  <a:schemeClr val="tx1"/>
+                </a:solidFill>
+                <a:latin typeface="Verdana" panose="020B0604030504040204" pitchFamily="34" charset="0"/>
+                <a:ea typeface="宋体" panose="02010600030101010101" pitchFamily="2" charset="-122"/>
+                <a:cs typeface="+mn-cs"/>
+              </a:defRPr>
+            </a:lvl9pPr>
+          </a:lstStyle>
+          <a:p>
+            <a:pPr eaLnBrk="1" hangingPunct="1"/>
+            <a:fld id="{2FE39F64-A1D4-4C6E-BAC3-DB3E303ED693}" type="slidenum">
+              <a:rPr lang="en-US" altLang="zh-CN" smtClean="0"/>
+              <a:pPr eaLnBrk="1" hangingPunct="1"/>
+              <a:t>4</a:t>
+            </a:fld>
+            <a:endParaRPr lang="en-US" altLang="zh-CN" dirty="0" smtClean="0"/>
+          </a:p>
+        </p:txBody>
+      </p:sp>
     </p:spTree>
   </p:cSld>
   <p:clrMapOvr>
@@ -36586,6 +36987,205 @@
               </a:rPr>
               <a:t>个点</a:t>
             </a:r>
+          </a:p>
+        </p:txBody>
+      </p:sp>
+      <p:sp>
+        <p:nvSpPr>
+          <p:cNvPr id="6" name="灯片编号占位符 5"/>
+          <p:cNvSpPr txBox="1">
+            <a:spLocks/>
+          </p:cNvSpPr>
+          <p:nvPr/>
+        </p:nvSpPr>
+        <p:spPr>
+          <a:xfrm>
+            <a:off x="6553200" y="6245225"/>
+            <a:ext cx="1981200" cy="476250"/>
+          </a:xfrm>
+          <a:prstGeom prst="rect">
+            <a:avLst/>
+          </a:prstGeom>
+          <a:noFill/>
+          <a:extLst>
+            <a:ext uri="{909E8E84-426E-40DD-AFC4-6F175D3DCCD1}">
+              <a14:hiddenFill xmlns:a14="http://schemas.microsoft.com/office/drawing/2010/main">
+                <a:solidFill>
+                  <a:srgbClr val="FFFFFF"/>
+                </a:solidFill>
+              </a14:hiddenFill>
+            </a:ext>
+            <a:ext uri="{91240B29-F687-4F45-9708-019B960494DF}">
+              <a14:hiddenLine xmlns:a14="http://schemas.microsoft.com/office/drawing/2010/main" w="9525">
+                <a:solidFill>
+                  <a:srgbClr val="000000"/>
+                </a:solidFill>
+                <a:miter lim="800000"/>
+                <a:headEnd/>
+                <a:tailEnd/>
+              </a14:hiddenLine>
+            </a:ext>
+          </a:extLst>
+        </p:spPr>
+        <p:txBody>
+          <a:bodyPr/>
+          <a:lstStyle>
+            <a:defPPr>
+              <a:defRPr lang="zh-CN"/>
+            </a:defPPr>
+            <a:lvl1pPr algn="l" rtl="0" eaLnBrk="0" fontAlgn="base" hangingPunct="0">
+              <a:spcBef>
+                <a:spcPct val="0"/>
+              </a:spcBef>
+              <a:spcAft>
+                <a:spcPct val="0"/>
+              </a:spcAft>
+              <a:defRPr kern="1200">
+                <a:solidFill>
+                  <a:schemeClr val="tx1"/>
+                </a:solidFill>
+                <a:latin typeface="Verdana" panose="020B0604030504040204" pitchFamily="34" charset="0"/>
+                <a:ea typeface="宋体" panose="02010600030101010101" pitchFamily="2" charset="-122"/>
+                <a:cs typeface="+mn-cs"/>
+              </a:defRPr>
+            </a:lvl1pPr>
+            <a:lvl2pPr marL="742950" indent="-285750" algn="l" rtl="0" eaLnBrk="0" fontAlgn="base" hangingPunct="0">
+              <a:spcBef>
+                <a:spcPct val="0"/>
+              </a:spcBef>
+              <a:spcAft>
+                <a:spcPct val="0"/>
+              </a:spcAft>
+              <a:defRPr kern="1200">
+                <a:solidFill>
+                  <a:schemeClr val="tx1"/>
+                </a:solidFill>
+                <a:latin typeface="Verdana" panose="020B0604030504040204" pitchFamily="34" charset="0"/>
+                <a:ea typeface="宋体" panose="02010600030101010101" pitchFamily="2" charset="-122"/>
+                <a:cs typeface="+mn-cs"/>
+              </a:defRPr>
+            </a:lvl2pPr>
+            <a:lvl3pPr marL="1143000" indent="-228600" algn="l" rtl="0" eaLnBrk="0" fontAlgn="base" hangingPunct="0">
+              <a:spcBef>
+                <a:spcPct val="0"/>
+              </a:spcBef>
+              <a:spcAft>
+                <a:spcPct val="0"/>
+              </a:spcAft>
+              <a:defRPr kern="1200">
+                <a:solidFill>
+                  <a:schemeClr val="tx1"/>
+                </a:solidFill>
+                <a:latin typeface="Verdana" panose="020B0604030504040204" pitchFamily="34" charset="0"/>
+                <a:ea typeface="宋体" panose="02010600030101010101" pitchFamily="2" charset="-122"/>
+                <a:cs typeface="+mn-cs"/>
+              </a:defRPr>
+            </a:lvl3pPr>
+            <a:lvl4pPr marL="1600200" indent="-228600" algn="l" rtl="0" eaLnBrk="0" fontAlgn="base" hangingPunct="0">
+              <a:spcBef>
+                <a:spcPct val="0"/>
+              </a:spcBef>
+              <a:spcAft>
+                <a:spcPct val="0"/>
+              </a:spcAft>
+              <a:defRPr kern="1200">
+                <a:solidFill>
+                  <a:schemeClr val="tx1"/>
+                </a:solidFill>
+                <a:latin typeface="Verdana" panose="020B0604030504040204" pitchFamily="34" charset="0"/>
+                <a:ea typeface="宋体" panose="02010600030101010101" pitchFamily="2" charset="-122"/>
+                <a:cs typeface="+mn-cs"/>
+              </a:defRPr>
+            </a:lvl4pPr>
+            <a:lvl5pPr marL="2057400" indent="-228600" algn="l" rtl="0" eaLnBrk="0" fontAlgn="base" hangingPunct="0">
+              <a:spcBef>
+                <a:spcPct val="0"/>
+              </a:spcBef>
+              <a:spcAft>
+                <a:spcPct val="0"/>
+              </a:spcAft>
+              <a:defRPr kern="1200">
+                <a:solidFill>
+                  <a:schemeClr val="tx1"/>
+                </a:solidFill>
+                <a:latin typeface="Verdana" panose="020B0604030504040204" pitchFamily="34" charset="0"/>
+                <a:ea typeface="宋体" panose="02010600030101010101" pitchFamily="2" charset="-122"/>
+                <a:cs typeface="+mn-cs"/>
+              </a:defRPr>
+            </a:lvl5pPr>
+            <a:lvl6pPr marL="2514600" indent="-228600" algn="l" defTabSz="914400" rtl="0" eaLnBrk="0" fontAlgn="base" latinLnBrk="0" hangingPunct="0">
+              <a:spcBef>
+                <a:spcPct val="0"/>
+              </a:spcBef>
+              <a:spcAft>
+                <a:spcPct val="0"/>
+              </a:spcAft>
+              <a:defRPr kern="1200">
+                <a:solidFill>
+                  <a:schemeClr val="tx1"/>
+                </a:solidFill>
+                <a:latin typeface="Verdana" panose="020B0604030504040204" pitchFamily="34" charset="0"/>
+                <a:ea typeface="宋体" panose="02010600030101010101" pitchFamily="2" charset="-122"/>
+                <a:cs typeface="+mn-cs"/>
+              </a:defRPr>
+            </a:lvl6pPr>
+            <a:lvl7pPr marL="2971800" indent="-228600" algn="l" defTabSz="914400" rtl="0" eaLnBrk="0" fontAlgn="base" latinLnBrk="0" hangingPunct="0">
+              <a:spcBef>
+                <a:spcPct val="0"/>
+              </a:spcBef>
+              <a:spcAft>
+                <a:spcPct val="0"/>
+              </a:spcAft>
+              <a:defRPr kern="1200">
+                <a:solidFill>
+                  <a:schemeClr val="tx1"/>
+                </a:solidFill>
+                <a:latin typeface="Verdana" panose="020B0604030504040204" pitchFamily="34" charset="0"/>
+                <a:ea typeface="宋体" panose="02010600030101010101" pitchFamily="2" charset="-122"/>
+                <a:cs typeface="+mn-cs"/>
+              </a:defRPr>
+            </a:lvl7pPr>
+            <a:lvl8pPr marL="3429000" indent="-228600" algn="l" defTabSz="914400" rtl="0" eaLnBrk="0" fontAlgn="base" latinLnBrk="0" hangingPunct="0">
+              <a:spcBef>
+                <a:spcPct val="0"/>
+              </a:spcBef>
+              <a:spcAft>
+                <a:spcPct val="0"/>
+              </a:spcAft>
+              <a:defRPr kern="1200">
+                <a:solidFill>
+                  <a:schemeClr val="tx1"/>
+                </a:solidFill>
+                <a:latin typeface="Verdana" panose="020B0604030504040204" pitchFamily="34" charset="0"/>
+                <a:ea typeface="宋体" panose="02010600030101010101" pitchFamily="2" charset="-122"/>
+                <a:cs typeface="+mn-cs"/>
+              </a:defRPr>
+            </a:lvl8pPr>
+            <a:lvl9pPr marL="3886200" indent="-228600" algn="l" defTabSz="914400" rtl="0" eaLnBrk="0" fontAlgn="base" latinLnBrk="0" hangingPunct="0">
+              <a:spcBef>
+                <a:spcPct val="0"/>
+              </a:spcBef>
+              <a:spcAft>
+                <a:spcPct val="0"/>
+              </a:spcAft>
+              <a:defRPr kern="1200">
+                <a:solidFill>
+                  <a:schemeClr val="tx1"/>
+                </a:solidFill>
+                <a:latin typeface="Verdana" panose="020B0604030504040204" pitchFamily="34" charset="0"/>
+                <a:ea typeface="宋体" panose="02010600030101010101" pitchFamily="2" charset="-122"/>
+                <a:cs typeface="+mn-cs"/>
+              </a:defRPr>
+            </a:lvl9pPr>
+          </a:lstStyle>
+          <a:p>
+            <a:pPr eaLnBrk="1" hangingPunct="1"/>
+            <a:fld id="{2FE39F64-A1D4-4C6E-BAC3-DB3E303ED693}" type="slidenum">
+              <a:rPr lang="en-US" altLang="zh-CN" smtClean="0"/>
+              <a:pPr eaLnBrk="1" hangingPunct="1"/>
+              <a:t>5</a:t>
+            </a:fld>
+            <a:endParaRPr lang="en-US" altLang="zh-CN" dirty="0" smtClean="0"/>
           </a:p>
         </p:txBody>
       </p:sp>
@@ -36982,7 +37582,7 @@
           <a:graphicData uri="http://schemas.openxmlformats.org/presentationml/2006/ole">
             <mc:AlternateContent xmlns:mc="http://schemas.openxmlformats.org/markup-compatibility/2006">
               <mc:Choice xmlns:v="urn:schemas-microsoft-com:vml" Requires="v">
-                <p:oleObj spid="_x0000_s1161" name="Equation" r:id="rId3" imgW="381000" imgH="203200" progId="Equation.DSMT4">
+                <p:oleObj spid="_x0000_s1164" name="Equation" r:id="rId3" imgW="381000" imgH="203200" progId="Equation.DSMT4">
                   <p:embed/>
                 </p:oleObj>
               </mc:Choice>
@@ -37049,6 +37649,205 @@
           </a:graphicData>
         </a:graphic>
       </p:graphicFrame>
+      <p:sp>
+        <p:nvSpPr>
+          <p:cNvPr id="7" name="灯片编号占位符 5"/>
+          <p:cNvSpPr txBox="1">
+            <a:spLocks/>
+          </p:cNvSpPr>
+          <p:nvPr/>
+        </p:nvSpPr>
+        <p:spPr>
+          <a:xfrm>
+            <a:off x="6553200" y="6245225"/>
+            <a:ext cx="1981200" cy="476250"/>
+          </a:xfrm>
+          <a:prstGeom prst="rect">
+            <a:avLst/>
+          </a:prstGeom>
+          <a:noFill/>
+          <a:extLst>
+            <a:ext uri="{909E8E84-426E-40DD-AFC4-6F175D3DCCD1}">
+              <a14:hiddenFill xmlns:a14="http://schemas.microsoft.com/office/drawing/2010/main">
+                <a:solidFill>
+                  <a:srgbClr val="FFFFFF"/>
+                </a:solidFill>
+              </a14:hiddenFill>
+            </a:ext>
+            <a:ext uri="{91240B29-F687-4F45-9708-019B960494DF}">
+              <a14:hiddenLine xmlns:a14="http://schemas.microsoft.com/office/drawing/2010/main" w="9525">
+                <a:solidFill>
+                  <a:srgbClr val="000000"/>
+                </a:solidFill>
+                <a:miter lim="800000"/>
+                <a:headEnd/>
+                <a:tailEnd/>
+              </a14:hiddenLine>
+            </a:ext>
+          </a:extLst>
+        </p:spPr>
+        <p:txBody>
+          <a:bodyPr/>
+          <a:lstStyle>
+            <a:defPPr>
+              <a:defRPr lang="zh-CN"/>
+            </a:defPPr>
+            <a:lvl1pPr algn="l" rtl="0" eaLnBrk="0" fontAlgn="base" hangingPunct="0">
+              <a:spcBef>
+                <a:spcPct val="0"/>
+              </a:spcBef>
+              <a:spcAft>
+                <a:spcPct val="0"/>
+              </a:spcAft>
+              <a:defRPr kern="1200">
+                <a:solidFill>
+                  <a:schemeClr val="tx1"/>
+                </a:solidFill>
+                <a:latin typeface="Verdana" panose="020B0604030504040204" pitchFamily="34" charset="0"/>
+                <a:ea typeface="宋体" panose="02010600030101010101" pitchFamily="2" charset="-122"/>
+                <a:cs typeface="+mn-cs"/>
+              </a:defRPr>
+            </a:lvl1pPr>
+            <a:lvl2pPr marL="742950" indent="-285750" algn="l" rtl="0" eaLnBrk="0" fontAlgn="base" hangingPunct="0">
+              <a:spcBef>
+                <a:spcPct val="0"/>
+              </a:spcBef>
+              <a:spcAft>
+                <a:spcPct val="0"/>
+              </a:spcAft>
+              <a:defRPr kern="1200">
+                <a:solidFill>
+                  <a:schemeClr val="tx1"/>
+                </a:solidFill>
+                <a:latin typeface="Verdana" panose="020B0604030504040204" pitchFamily="34" charset="0"/>
+                <a:ea typeface="宋体" panose="02010600030101010101" pitchFamily="2" charset="-122"/>
+                <a:cs typeface="+mn-cs"/>
+              </a:defRPr>
+            </a:lvl2pPr>
+            <a:lvl3pPr marL="1143000" indent="-228600" algn="l" rtl="0" eaLnBrk="0" fontAlgn="base" hangingPunct="0">
+              <a:spcBef>
+                <a:spcPct val="0"/>
+              </a:spcBef>
+              <a:spcAft>
+                <a:spcPct val="0"/>
+              </a:spcAft>
+              <a:defRPr kern="1200">
+                <a:solidFill>
+                  <a:schemeClr val="tx1"/>
+                </a:solidFill>
+                <a:latin typeface="Verdana" panose="020B0604030504040204" pitchFamily="34" charset="0"/>
+                <a:ea typeface="宋体" panose="02010600030101010101" pitchFamily="2" charset="-122"/>
+                <a:cs typeface="+mn-cs"/>
+              </a:defRPr>
+            </a:lvl3pPr>
+            <a:lvl4pPr marL="1600200" indent="-228600" algn="l" rtl="0" eaLnBrk="0" fontAlgn="base" hangingPunct="0">
+              <a:spcBef>
+                <a:spcPct val="0"/>
+              </a:spcBef>
+              <a:spcAft>
+                <a:spcPct val="0"/>
+              </a:spcAft>
+              <a:defRPr kern="1200">
+                <a:solidFill>
+                  <a:schemeClr val="tx1"/>
+                </a:solidFill>
+                <a:latin typeface="Verdana" panose="020B0604030504040204" pitchFamily="34" charset="0"/>
+                <a:ea typeface="宋体" panose="02010600030101010101" pitchFamily="2" charset="-122"/>
+                <a:cs typeface="+mn-cs"/>
+              </a:defRPr>
+            </a:lvl4pPr>
+            <a:lvl5pPr marL="2057400" indent="-228600" algn="l" rtl="0" eaLnBrk="0" fontAlgn="base" hangingPunct="0">
+              <a:spcBef>
+                <a:spcPct val="0"/>
+              </a:spcBef>
+              <a:spcAft>
+                <a:spcPct val="0"/>
+              </a:spcAft>
+              <a:defRPr kern="1200">
+                <a:solidFill>
+                  <a:schemeClr val="tx1"/>
+                </a:solidFill>
+                <a:latin typeface="Verdana" panose="020B0604030504040204" pitchFamily="34" charset="0"/>
+                <a:ea typeface="宋体" panose="02010600030101010101" pitchFamily="2" charset="-122"/>
+                <a:cs typeface="+mn-cs"/>
+              </a:defRPr>
+            </a:lvl5pPr>
+            <a:lvl6pPr marL="2514600" indent="-228600" algn="l" defTabSz="914400" rtl="0" eaLnBrk="0" fontAlgn="base" latinLnBrk="0" hangingPunct="0">
+              <a:spcBef>
+                <a:spcPct val="0"/>
+              </a:spcBef>
+              <a:spcAft>
+                <a:spcPct val="0"/>
+              </a:spcAft>
+              <a:defRPr kern="1200">
+                <a:solidFill>
+                  <a:schemeClr val="tx1"/>
+                </a:solidFill>
+                <a:latin typeface="Verdana" panose="020B0604030504040204" pitchFamily="34" charset="0"/>
+                <a:ea typeface="宋体" panose="02010600030101010101" pitchFamily="2" charset="-122"/>
+                <a:cs typeface="+mn-cs"/>
+              </a:defRPr>
+            </a:lvl6pPr>
+            <a:lvl7pPr marL="2971800" indent="-228600" algn="l" defTabSz="914400" rtl="0" eaLnBrk="0" fontAlgn="base" latinLnBrk="0" hangingPunct="0">
+              <a:spcBef>
+                <a:spcPct val="0"/>
+              </a:spcBef>
+              <a:spcAft>
+                <a:spcPct val="0"/>
+              </a:spcAft>
+              <a:defRPr kern="1200">
+                <a:solidFill>
+                  <a:schemeClr val="tx1"/>
+                </a:solidFill>
+                <a:latin typeface="Verdana" panose="020B0604030504040204" pitchFamily="34" charset="0"/>
+                <a:ea typeface="宋体" panose="02010600030101010101" pitchFamily="2" charset="-122"/>
+                <a:cs typeface="+mn-cs"/>
+              </a:defRPr>
+            </a:lvl7pPr>
+            <a:lvl8pPr marL="3429000" indent="-228600" algn="l" defTabSz="914400" rtl="0" eaLnBrk="0" fontAlgn="base" latinLnBrk="0" hangingPunct="0">
+              <a:spcBef>
+                <a:spcPct val="0"/>
+              </a:spcBef>
+              <a:spcAft>
+                <a:spcPct val="0"/>
+              </a:spcAft>
+              <a:defRPr kern="1200">
+                <a:solidFill>
+                  <a:schemeClr val="tx1"/>
+                </a:solidFill>
+                <a:latin typeface="Verdana" panose="020B0604030504040204" pitchFamily="34" charset="0"/>
+                <a:ea typeface="宋体" panose="02010600030101010101" pitchFamily="2" charset="-122"/>
+                <a:cs typeface="+mn-cs"/>
+              </a:defRPr>
+            </a:lvl8pPr>
+            <a:lvl9pPr marL="3886200" indent="-228600" algn="l" defTabSz="914400" rtl="0" eaLnBrk="0" fontAlgn="base" latinLnBrk="0" hangingPunct="0">
+              <a:spcBef>
+                <a:spcPct val="0"/>
+              </a:spcBef>
+              <a:spcAft>
+                <a:spcPct val="0"/>
+              </a:spcAft>
+              <a:defRPr kern="1200">
+                <a:solidFill>
+                  <a:schemeClr val="tx1"/>
+                </a:solidFill>
+                <a:latin typeface="Verdana" panose="020B0604030504040204" pitchFamily="34" charset="0"/>
+                <a:ea typeface="宋体" panose="02010600030101010101" pitchFamily="2" charset="-122"/>
+                <a:cs typeface="+mn-cs"/>
+              </a:defRPr>
+            </a:lvl9pPr>
+          </a:lstStyle>
+          <a:p>
+            <a:pPr eaLnBrk="1" hangingPunct="1"/>
+            <a:fld id="{2FE39F64-A1D4-4C6E-BAC3-DB3E303ED693}" type="slidenum">
+              <a:rPr lang="en-US" altLang="zh-CN" smtClean="0"/>
+              <a:pPr eaLnBrk="1" hangingPunct="1"/>
+              <a:t>6</a:t>
+            </a:fld>
+            <a:endParaRPr lang="en-US" altLang="zh-CN" dirty="0" smtClean="0"/>
+          </a:p>
+        </p:txBody>
+      </p:sp>
     </p:spTree>
   </p:cSld>
   <p:clrMapOvr>
@@ -39895,7 +40694,7 @@
   </a:extraClrSchemeLst>
   <a:extLst>
     <a:ext uri="{05A4C25C-085E-4340-85A3-A5531E510DB2}">
-      <thm15:themeFamily xmlns="" xmlns:thm15="http://schemas.microsoft.com/office/thememl/2012/main" name="Office Theme" id="{62F939B6-93AF-4DB8-9C6B-D6C7DFDC589F}" vid="{4A3C46E8-61CC-4603-A589-7422A47A8E4A}"/>
+      <thm15:themeFamily xmlns:thm15="http://schemas.microsoft.com/office/thememl/2012/main" xmlns="" name="Office Theme" id="{62F939B6-93AF-4DB8-9C6B-D6C7DFDC589F}" vid="{4A3C46E8-61CC-4603-A589-7422A47A8E4A}"/>
     </a:ext>
   </a:extLst>
 </a:theme>
@@ -40183,7 +40982,7 @@
   <a:extraClrSchemeLst/>
   <a:extLst>
     <a:ext uri="{05A4C25C-085E-4340-85A3-A5531E510DB2}">
-      <thm15:themeFamily xmlns="" xmlns:thm15="http://schemas.microsoft.com/office/thememl/2012/main" name="Office Theme" id="{62F939B6-93AF-4DB8-9C6B-D6C7DFDC589F}" vid="{4A3C46E8-61CC-4603-A589-7422A47A8E4A}"/>
+      <thm15:themeFamily xmlns:thm15="http://schemas.microsoft.com/office/thememl/2012/main" xmlns="" name="Office Theme" id="{62F939B6-93AF-4DB8-9C6B-D6C7DFDC589F}" vid="{4A3C46E8-61CC-4603-A589-7422A47A8E4A}"/>
     </a:ext>
   </a:extLst>
 </a:theme>
@@ -40471,7 +41270,7 @@
   <a:extraClrSchemeLst/>
   <a:extLst>
     <a:ext uri="{05A4C25C-085E-4340-85A3-A5531E510DB2}">
-      <thm15:themeFamily xmlns="" xmlns:thm15="http://schemas.microsoft.com/office/thememl/2012/main" name="Office Theme" id="{62F939B6-93AF-4DB8-9C6B-D6C7DFDC589F}" vid="{4A3C46E8-61CC-4603-A589-7422A47A8E4A}"/>
+      <thm15:themeFamily xmlns:thm15="http://schemas.microsoft.com/office/thememl/2012/main" xmlns="" name="Office Theme" id="{62F939B6-93AF-4DB8-9C6B-D6C7DFDC589F}" vid="{4A3C46E8-61CC-4603-A589-7422A47A8E4A}"/>
     </a:ext>
   </a:extLst>
 </a:theme>
